--- a/Generative Image Diffusion.pptx
+++ b/Generative Image Diffusion.pptx
@@ -6582,8 +6582,91 @@
                   </a:outerShdw>
                 </a:effectLst>
               </a:rPr>
-              <a:t>The resulting</a:t>
-            </a:r>
+              <a:t>The resulting output should be a set of symbols mirroring the originals – to a degree.</a:t>
+            </a:r>
+          </a:p>
+          <a:p>
+            <a:r>
+              <a:rPr lang="en-US" sz="2000" dirty="0">
+                <a:ln w="0"/>
+                <a:solidFill>
+                  <a:schemeClr val="tx1"/>
+                </a:solidFill>
+                <a:effectLst>
+                  <a:outerShdw blurRad="38100" dist="19050" dir="2700000" algn="tl" rotWithShape="0">
+                    <a:schemeClr val="dk1">
+                      <a:alpha val="40000"/>
+                    </a:schemeClr>
+                  </a:outerShdw>
+                </a:effectLst>
+              </a:rPr>
+              <a:t>Due to time constraints, I was limited on time to train the model. It’s taken a day so far to get this running through all of the epochs.</a:t>
+            </a:r>
+          </a:p>
+          <a:p>
+            <a:r>
+              <a:rPr lang="en-US" sz="2000" dirty="0">
+                <a:ln w="0"/>
+                <a:solidFill>
+                  <a:schemeClr val="tx1"/>
+                </a:solidFill>
+                <a:effectLst>
+                  <a:outerShdw blurRad="38100" dist="19050" dir="2700000" algn="tl" rotWithShape="0">
+                    <a:schemeClr val="dk1">
+                      <a:alpha val="40000"/>
+                    </a:schemeClr>
+                  </a:outerShdw>
+                </a:effectLst>
+              </a:rPr>
+              <a:t>That being said, due to the lowered batch size and epoch count I had to give my program due to that time constraint, I estimate that the symbols may not resemble their original counterparts as well as I’d hope.</a:t>
+            </a:r>
+          </a:p>
+          <a:p>
+            <a:r>
+              <a:rPr lang="en-US" sz="2000" dirty="0">
+                <a:ln w="0"/>
+                <a:solidFill>
+                  <a:schemeClr val="tx1"/>
+                </a:solidFill>
+                <a:effectLst>
+                  <a:outerShdw blurRad="38100" dist="19050" dir="2700000" algn="tl" rotWithShape="0">
+                    <a:schemeClr val="dk1">
+                      <a:alpha val="40000"/>
+                    </a:schemeClr>
+                  </a:outerShdw>
+                </a:effectLst>
+              </a:rPr>
+              <a:t>Currently, the program is running smoothly, and I await the results of its generation </a:t>
+            </a:r>
+            <a:r>
+              <a:rPr lang="en-US" sz="2000">
+                <a:ln w="0"/>
+                <a:solidFill>
+                  <a:schemeClr val="tx1"/>
+                </a:solidFill>
+                <a:effectLst>
+                  <a:outerShdw blurRad="38100" dist="19050" dir="2700000" algn="tl" rotWithShape="0">
+                    <a:schemeClr val="dk1">
+                      <a:alpha val="40000"/>
+                    </a:schemeClr>
+                  </a:outerShdw>
+                </a:effectLst>
+              </a:rPr>
+              <a:t>to report them later.</a:t>
+            </a:r>
+            <a:endParaRPr lang="en-US" sz="2000" dirty="0">
+              <a:ln w="0"/>
+              <a:solidFill>
+                <a:schemeClr val="tx1"/>
+              </a:solidFill>
+              <a:effectLst>
+                <a:outerShdw blurRad="38100" dist="19050" dir="2700000" algn="tl" rotWithShape="0">
+                  <a:schemeClr val="dk1">
+                    <a:alpha val="40000"/>
+                  </a:schemeClr>
+                </a:outerShdw>
+              </a:effectLst>
+            </a:endParaRPr>
           </a:p>
         </p:txBody>
       </p:sp>

--- a/Generative Image Diffusion.pptx
+++ b/Generative Image Diffusion.pptx
@@ -8,7 +8,8 @@
     <p:sldId id="256" r:id="rId2"/>
     <p:sldId id="258" r:id="rId3"/>
     <p:sldId id="261" r:id="rId4"/>
-    <p:sldId id="260" r:id="rId5"/>
+    <p:sldId id="262" r:id="rId5"/>
+    <p:sldId id="260" r:id="rId6"/>
   </p:sldIdLst>
   <p:sldSz cx="12192000" cy="6858000"/>
   <p:notesSz cx="6858000" cy="9144000"/>
@@ -6461,6 +6462,230 @@
         <p:cNvPr id="1" name="">
           <a:extLst>
             <a:ext uri="{FF2B5EF4-FFF2-40B4-BE49-F238E27FC236}">
+              <a16:creationId xmlns:a16="http://schemas.microsoft.com/office/drawing/2014/main" id="{3E35E32D-709C-1238-FA99-5AA58FC476E7}"/>
+            </a:ext>
+          </a:extLst>
+        </p:cNvPr>
+        <p:cNvGrpSpPr/>
+        <p:nvPr/>
+      </p:nvGrpSpPr>
+      <p:grpSpPr>
+        <a:xfrm>
+          <a:off x="0" y="0"/>
+          <a:ext cx="0" cy="0"/>
+          <a:chOff x="0" y="0"/>
+          <a:chExt cx="0" cy="0"/>
+        </a:xfrm>
+      </p:grpSpPr>
+      <p:sp>
+        <p:nvSpPr>
+          <p:cNvPr id="2" name="Title 1">
+            <a:extLst>
+              <a:ext uri="{FF2B5EF4-FFF2-40B4-BE49-F238E27FC236}">
+                <a16:creationId xmlns:a16="http://schemas.microsoft.com/office/drawing/2014/main" id="{A39E121E-2608-7E68-7F73-55036CB4147B}"/>
+              </a:ext>
+            </a:extLst>
+          </p:cNvPr>
+          <p:cNvSpPr>
+            <a:spLocks noGrp="1"/>
+          </p:cNvSpPr>
+          <p:nvPr>
+            <p:ph type="title"/>
+          </p:nvPr>
+        </p:nvSpPr>
+        <p:spPr>
+          <a:xfrm>
+            <a:off x="685802" y="1101588"/>
+            <a:ext cx="5081194" cy="990600"/>
+          </a:xfrm>
+        </p:spPr>
+        <p:txBody>
+          <a:bodyPr>
+            <a:normAutofit/>
+          </a:bodyPr>
+          <a:lstStyle/>
+          <a:p>
+            <a:r>
+              <a:rPr lang="en-US" sz="4200" b="1" cap="none" dirty="0">
+                <a:ln w="9525">
+                  <a:solidFill>
+                    <a:schemeClr val="bg1"/>
+                  </a:solidFill>
+                  <a:prstDash val="solid"/>
+                </a:ln>
+                <a:effectLst>
+                  <a:outerShdw blurRad="12700" dist="38100" dir="2700000" algn="tl" rotWithShape="0">
+                    <a:schemeClr val="bg1">
+                      <a:lumMod val="50000"/>
+                    </a:schemeClr>
+                  </a:outerShdw>
+                </a:effectLst>
+              </a:rPr>
+              <a:t>The Method - Example</a:t>
+            </a:r>
+          </a:p>
+        </p:txBody>
+      </p:sp>
+      <p:sp>
+        <p:nvSpPr>
+          <p:cNvPr id="3" name="Content Placeholder 2">
+            <a:extLst>
+              <a:ext uri="{FF2B5EF4-FFF2-40B4-BE49-F238E27FC236}">
+                <a16:creationId xmlns:a16="http://schemas.microsoft.com/office/drawing/2014/main" id="{21626A37-6B90-B292-4AED-94F830297421}"/>
+              </a:ext>
+            </a:extLst>
+          </p:cNvPr>
+          <p:cNvSpPr>
+            <a:spLocks noGrp="1"/>
+          </p:cNvSpPr>
+          <p:nvPr>
+            <p:ph idx="1"/>
+          </p:nvPr>
+        </p:nvSpPr>
+        <p:spPr>
+          <a:xfrm>
+            <a:off x="685802" y="2430117"/>
+            <a:ext cx="5081194" cy="3150705"/>
+          </a:xfrm>
+          <a:ln/>
+        </p:spPr>
+        <p:style>
+          <a:lnRef idx="1">
+            <a:schemeClr val="accent1"/>
+          </a:lnRef>
+          <a:fillRef idx="3">
+            <a:schemeClr val="accent1"/>
+          </a:fillRef>
+          <a:effectRef idx="2">
+            <a:schemeClr val="accent1"/>
+          </a:effectRef>
+          <a:fontRef idx="minor">
+            <a:schemeClr val="lt1"/>
+          </a:fontRef>
+        </p:style>
+        <p:txBody>
+          <a:bodyPr>
+            <a:normAutofit/>
+          </a:bodyPr>
+          <a:lstStyle/>
+          <a:p>
+            <a:r>
+              <a:rPr lang="en-US" sz="2000" dirty="0">
+                <a:ln w="0"/>
+                <a:solidFill>
+                  <a:schemeClr val="tx1"/>
+                </a:solidFill>
+                <a:effectLst>
+                  <a:outerShdw blurRad="38100" dist="19050" dir="2700000" algn="tl" rotWithShape="0">
+                    <a:schemeClr val="dk1">
+                      <a:alpha val="40000"/>
+                    </a:schemeClr>
+                  </a:outerShdw>
+                </a:effectLst>
+              </a:rPr>
+              <a:t>To the right is an example of the degradation process; from bottom to top, the image is interpolated with static until it becomes unrecognizable.</a:t>
+            </a:r>
+          </a:p>
+          <a:p>
+            <a:r>
+              <a:rPr lang="en-US" sz="2000" dirty="0">
+                <a:ln w="0"/>
+                <a:solidFill>
+                  <a:schemeClr val="tx1"/>
+                </a:solidFill>
+                <a:effectLst>
+                  <a:outerShdw blurRad="38100" dist="19050" dir="2700000" algn="tl" rotWithShape="0">
+                    <a:schemeClr val="dk1">
+                      <a:alpha val="40000"/>
+                    </a:schemeClr>
+                  </a:outerShdw>
+                </a:effectLst>
+              </a:rPr>
+              <a:t>Each of these steps is taken as an image with an interpolation value for the program to reference when building its idea of what a given step would look like for </a:t>
+            </a:r>
+            <a:r>
+              <a:rPr lang="en-US" sz="2000">
+                <a:ln w="0"/>
+                <a:solidFill>
+                  <a:schemeClr val="tx1"/>
+                </a:solidFill>
+                <a:effectLst>
+                  <a:outerShdw blurRad="38100" dist="19050" dir="2700000" algn="tl" rotWithShape="0">
+                    <a:schemeClr val="dk1">
+                      <a:alpha val="40000"/>
+                    </a:schemeClr>
+                  </a:outerShdw>
+                </a:effectLst>
+              </a:rPr>
+              <a:t>an image.</a:t>
+            </a:r>
+            <a:endParaRPr lang="en-US" sz="2000" dirty="0">
+              <a:ln w="0"/>
+              <a:solidFill>
+                <a:schemeClr val="tx1"/>
+              </a:solidFill>
+              <a:effectLst>
+                <a:outerShdw blurRad="38100" dist="19050" dir="2700000" algn="tl" rotWithShape="0">
+                  <a:schemeClr val="dk1">
+                    <a:alpha val="40000"/>
+                  </a:schemeClr>
+                </a:outerShdw>
+              </a:effectLst>
+            </a:endParaRPr>
+          </a:p>
+        </p:txBody>
+      </p:sp>
+      <p:pic>
+        <p:nvPicPr>
+          <p:cNvPr id="5" name="Picture 4">
+            <a:extLst>
+              <a:ext uri="{FF2B5EF4-FFF2-40B4-BE49-F238E27FC236}">
+                <a16:creationId xmlns:a16="http://schemas.microsoft.com/office/drawing/2014/main" id="{6901DC93-7D29-45A1-6AE1-C574EB833164}"/>
+              </a:ext>
+            </a:extLst>
+          </p:cNvPr>
+          <p:cNvPicPr>
+            <a:picLocks noChangeAspect="1"/>
+          </p:cNvPicPr>
+          <p:nvPr/>
+        </p:nvPicPr>
+        <p:blipFill>
+          <a:blip r:embed="rId2"/>
+          <a:stretch>
+            <a:fillRect/>
+          </a:stretch>
+        </p:blipFill>
+        <p:spPr>
+          <a:xfrm>
+            <a:off x="6096000" y="995345"/>
+            <a:ext cx="5534065" cy="4867311"/>
+          </a:xfrm>
+          <a:prstGeom prst="rect">
+            <a:avLst/>
+          </a:prstGeom>
+        </p:spPr>
+      </p:pic>
+    </p:spTree>
+    <p:extLst>
+      <p:ext uri="{BB962C8B-B14F-4D97-AF65-F5344CB8AC3E}">
+        <p14:creationId xmlns:p14="http://schemas.microsoft.com/office/powerpoint/2010/main" val="877075014"/>
+      </p:ext>
+    </p:extLst>
+  </p:cSld>
+  <p:clrMapOvr>
+    <a:masterClrMapping/>
+  </p:clrMapOvr>
+</p:sld>
+</file>
+
+<file path=ppt/slides/slide5.xml><?xml version="1.0" encoding="utf-8"?>
+<p:sld xmlns:a="http://schemas.openxmlformats.org/drawingml/2006/main" xmlns:r="http://schemas.openxmlformats.org/officeDocument/2006/relationships" xmlns:p="http://schemas.openxmlformats.org/presentationml/2006/main">
+  <p:cSld>
+    <p:spTree>
+      <p:nvGrpSpPr>
+        <p:cNvPr id="1" name="">
+          <a:extLst>
+            <a:ext uri="{FF2B5EF4-FFF2-40B4-BE49-F238E27FC236}">
               <a16:creationId xmlns:a16="http://schemas.microsoft.com/office/drawing/2014/main" id="{2B4B6C47-8489-D17D-E12D-085CF1A78387}"/>
             </a:ext>
           </a:extLst>
@@ -6636,37 +6861,8 @@
                   </a:outerShdw>
                 </a:effectLst>
               </a:rPr>
-              <a:t>Currently, the program is running smoothly, and I await the results of its generation </a:t>
-            </a:r>
-            <a:r>
-              <a:rPr lang="en-US" sz="2000">
-                <a:ln w="0"/>
-                <a:solidFill>
-                  <a:schemeClr val="tx1"/>
-                </a:solidFill>
-                <a:effectLst>
-                  <a:outerShdw blurRad="38100" dist="19050" dir="2700000" algn="tl" rotWithShape="0">
-                    <a:schemeClr val="dk1">
-                      <a:alpha val="40000"/>
-                    </a:schemeClr>
-                  </a:outerShdw>
-                </a:effectLst>
-              </a:rPr>
-              <a:t>to report them later.</a:t>
-            </a:r>
-            <a:endParaRPr lang="en-US" sz="2000" dirty="0">
-              <a:ln w="0"/>
-              <a:solidFill>
-                <a:schemeClr val="tx1"/>
-              </a:solidFill>
-              <a:effectLst>
-                <a:outerShdw blurRad="38100" dist="19050" dir="2700000" algn="tl" rotWithShape="0">
-                  <a:schemeClr val="dk1">
-                    <a:alpha val="40000"/>
-                  </a:schemeClr>
-                </a:outerShdw>
-              </a:effectLst>
-            </a:endParaRPr>
+              <a:t>Currently, the program is running smoothly, and I await the results of its generation to report them later.</a:t>
+            </a:r>
           </a:p>
         </p:txBody>
       </p:sp>

--- a/Generative Image Diffusion.pptx
+++ b/Generative Image Diffusion.pptx
@@ -6087,7 +6087,7 @@
                   </a:outerShdw>
                 </a:effectLst>
               </a:rPr>
-              <a:t>The Problem</a:t>
+              <a:t>	The Problem</a:t>
             </a:r>
           </a:p>
         </p:txBody>
@@ -6111,7 +6111,7 @@
         <p:spPr>
           <a:xfrm>
             <a:off x="685801" y="1600201"/>
-            <a:ext cx="10131425" cy="4731025"/>
+            <a:ext cx="10131425" cy="3766929"/>
           </a:xfrm>
           <a:ln/>
         </p:spPr>
@@ -6320,7 +6320,7 @@
                   </a:outerShdw>
                 </a:effectLst>
               </a:rPr>
-              <a:t>The Method</a:t>
+              <a:t>	The Method</a:t>
             </a:r>
           </a:p>
         </p:txBody>
@@ -6601,46 +6601,17 @@
                   </a:outerShdw>
                 </a:effectLst>
               </a:rPr>
-              <a:t>Each of these steps is taken as an image with an interpolation value for the program to reference when building its idea of what a given step would look like for </a:t>
-            </a:r>
-            <a:r>
-              <a:rPr lang="en-US" sz="2000">
-                <a:ln w="0"/>
-                <a:solidFill>
-                  <a:schemeClr val="tx1"/>
-                </a:solidFill>
-                <a:effectLst>
-                  <a:outerShdw blurRad="38100" dist="19050" dir="2700000" algn="tl" rotWithShape="0">
-                    <a:schemeClr val="dk1">
-                      <a:alpha val="40000"/>
-                    </a:schemeClr>
-                  </a:outerShdw>
-                </a:effectLst>
-              </a:rPr>
-              <a:t>an image.</a:t>
-            </a:r>
-            <a:endParaRPr lang="en-US" sz="2000" dirty="0">
-              <a:ln w="0"/>
-              <a:solidFill>
-                <a:schemeClr val="tx1"/>
-              </a:solidFill>
-              <a:effectLst>
-                <a:outerShdw blurRad="38100" dist="19050" dir="2700000" algn="tl" rotWithShape="0">
-                  <a:schemeClr val="dk1">
-                    <a:alpha val="40000"/>
-                  </a:schemeClr>
-                </a:outerShdw>
-              </a:effectLst>
-            </a:endParaRPr>
+              <a:t>Each of these steps is taken as an image with an interpolation value for the program to reference when building its idea of what a given step would look like for an image.</a:t>
+            </a:r>
           </a:p>
         </p:txBody>
       </p:sp>
       <p:pic>
         <p:nvPicPr>
-          <p:cNvPr id="5" name="Picture 4">
+          <p:cNvPr id="7" name="Picture 6">
             <a:extLst>
               <a:ext uri="{FF2B5EF4-FFF2-40B4-BE49-F238E27FC236}">
-                <a16:creationId xmlns:a16="http://schemas.microsoft.com/office/drawing/2014/main" id="{6901DC93-7D29-45A1-6AE1-C574EB833164}"/>
+                <a16:creationId xmlns:a16="http://schemas.microsoft.com/office/drawing/2014/main" id="{39B5200A-9FF5-591E-1EDA-8E718523C203}"/>
               </a:ext>
             </a:extLst>
           </p:cNvPr>
@@ -6651,18 +6622,27 @@
         </p:nvPicPr>
         <p:blipFill>
           <a:blip r:embed="rId2"/>
-          <a:stretch>
-            <a:fillRect/>
-          </a:stretch>
+          <a:srcRect l="4984" t="2066" r="990" b="4225"/>
+          <a:stretch/>
         </p:blipFill>
         <p:spPr>
           <a:xfrm>
-            <a:off x="6096000" y="995345"/>
-            <a:ext cx="5534065" cy="4867311"/>
+            <a:off x="6096000" y="913102"/>
+            <a:ext cx="5777996" cy="5031797"/>
           </a:xfrm>
           <a:prstGeom prst="rect">
             <a:avLst/>
           </a:prstGeom>
+          <a:ln>
+            <a:noFill/>
+          </a:ln>
+          <a:effectLst>
+            <a:outerShdw blurRad="292100" dist="139700" dir="2700000" algn="tl" rotWithShape="0">
+              <a:srgbClr val="333333">
+                <a:alpha val="65000"/>
+              </a:srgbClr>
+            </a:outerShdw>
+          </a:effectLst>
         </p:spPr>
       </p:pic>
     </p:spTree>
@@ -6730,6 +6710,24 @@
           <a:lstStyle/>
           <a:p>
             <a:r>
+              <a:rPr lang="en-US" sz="6000" b="1" cap="none">
+                <a:ln w="9525">
+                  <a:solidFill>
+                    <a:schemeClr val="bg1"/>
+                  </a:solidFill>
+                  <a:prstDash val="solid"/>
+                </a:ln>
+                <a:effectLst>
+                  <a:outerShdw blurRad="12700" dist="38100" dir="2700000" algn="tl" rotWithShape="0">
+                    <a:schemeClr val="bg1">
+                      <a:lumMod val="50000"/>
+                    </a:schemeClr>
+                  </a:outerShdw>
+                </a:effectLst>
+              </a:rPr>
+              <a:t>	The </a:t>
+            </a:r>
+            <a:r>
               <a:rPr lang="en-US" sz="6000" b="1" cap="none" dirty="0">
                 <a:ln w="9525">
                   <a:solidFill>
@@ -6745,7 +6743,7 @@
                   </a:outerShdw>
                 </a:effectLst>
               </a:rPr>
-              <a:t>The Results</a:t>
+              <a:t>Results</a:t>
             </a:r>
           </a:p>
         </p:txBody>
@@ -6768,8 +6766,8 @@
         </p:nvSpPr>
         <p:spPr>
           <a:xfrm>
-            <a:off x="685801" y="1600201"/>
-            <a:ext cx="10131425" cy="4731025"/>
+            <a:off x="685801" y="1600202"/>
+            <a:ext cx="10131425" cy="3916016"/>
           </a:xfrm>
           <a:ln/>
         </p:spPr>

--- a/Generative Image Diffusion.pptx
+++ b/Generative Image Diffusion.pptx
@@ -5951,8 +5951,12 @@
           <a:lstStyle/>
           <a:p>
             <a:r>
+              <a:rPr lang="en-US" sz="2400" b="1"/>
+              <a:t>Ethan </a:t>
+            </a:r>
+            <a:r>
               <a:rPr lang="en-US" sz="2400" b="1" dirty="0"/>
-              <a:t>By Ethan Laviolette</a:t>
+              <a:t>Laviolette</a:t>
             </a:r>
           </a:p>
         </p:txBody>
@@ -6710,24 +6714,6 @@
           <a:lstStyle/>
           <a:p>
             <a:r>
-              <a:rPr lang="en-US" sz="6000" b="1" cap="none">
-                <a:ln w="9525">
-                  <a:solidFill>
-                    <a:schemeClr val="bg1"/>
-                  </a:solidFill>
-                  <a:prstDash val="solid"/>
-                </a:ln>
-                <a:effectLst>
-                  <a:outerShdw blurRad="12700" dist="38100" dir="2700000" algn="tl" rotWithShape="0">
-                    <a:schemeClr val="bg1">
-                      <a:lumMod val="50000"/>
-                    </a:schemeClr>
-                  </a:outerShdw>
-                </a:effectLst>
-              </a:rPr>
-              <a:t>	The </a:t>
-            </a:r>
-            <a:r>
               <a:rPr lang="en-US" sz="6000" b="1" cap="none" dirty="0">
                 <a:ln w="9525">
                   <a:solidFill>
@@ -6743,7 +6729,7 @@
                   </a:outerShdw>
                 </a:effectLst>
               </a:rPr>
-              <a:t>Results</a:t>
+              <a:t>	The Results</a:t>
             </a:r>
           </a:p>
         </p:txBody>
